--- a/Matches/USPSA - Renton - October 2020 - Trigger Treat/Bay 6 - Peek-A-Boo.pptx
+++ b/Matches/USPSA - Renton - October 2020 - Trigger Treat/Bay 6 - Peek-A-Boo.pptx
@@ -2926,7 +2926,7 @@
               <a:pPr>
                 <a:defRPr/>
               </a:pPr>
-              <a:t>10/24/20</a:t>
+              <a:t>10/25/20</a:t>
             </a:fld>
             <a:endParaRPr lang="en-US"/>
           </a:p>
@@ -6883,13 +6883,309 @@
           <a:chExt cx="0" cy="0"/>
         </a:xfrm>
       </p:grpSpPr>
+      <p:grpSp>
+        <p:nvGrpSpPr>
+          <p:cNvPr id="136" name="Group 29">
+            <a:extLst>
+              <a:ext uri="{FF2B5EF4-FFF2-40B4-BE49-F238E27FC236}">
+                <a16:creationId xmlns:a16="http://schemas.microsoft.com/office/drawing/2014/main" id="{C1A9017C-5788-7E42-8E66-DA3E9ADABAF7}"/>
+              </a:ext>
+            </a:extLst>
+          </p:cNvPr>
+          <p:cNvGrpSpPr>
+            <a:grpSpLocks/>
+          </p:cNvGrpSpPr>
+          <p:nvPr/>
+        </p:nvGrpSpPr>
+        <p:grpSpPr bwMode="auto">
+          <a:xfrm>
+            <a:off x="3984626" y="4346575"/>
+            <a:ext cx="287338" cy="790575"/>
+            <a:chOff x="528" y="240"/>
+            <a:chExt cx="181" cy="498"/>
+          </a:xfrm>
+        </p:grpSpPr>
+        <p:sp>
+          <p:nvSpPr>
+            <p:cNvPr id="188" name="Line 30">
+              <a:extLst>
+                <a:ext uri="{FF2B5EF4-FFF2-40B4-BE49-F238E27FC236}">
+                  <a16:creationId xmlns:a16="http://schemas.microsoft.com/office/drawing/2014/main" id="{E88349F8-6B41-8442-8D0B-06E0EF4B08C7}"/>
+                </a:ext>
+              </a:extLst>
+            </p:cNvPr>
+            <p:cNvSpPr>
+              <a:spLocks noChangeShapeType="1"/>
+            </p:cNvSpPr>
+            <p:nvPr/>
+          </p:nvSpPr>
+          <p:spPr bwMode="auto">
+            <a:xfrm>
+              <a:off x="535" y="485"/>
+              <a:ext cx="0" cy="253"/>
+            </a:xfrm>
+            <a:prstGeom prst="line">
+              <a:avLst/>
+            </a:prstGeom>
+            <a:noFill/>
+            <a:ln w="28575">
+              <a:solidFill>
+                <a:schemeClr val="tx1"/>
+              </a:solidFill>
+              <a:round/>
+              <a:headEnd/>
+              <a:tailEnd/>
+            </a:ln>
+            <a:extLst>
+              <a:ext uri="{909E8E84-426E-40DD-AFC4-6F175D3DCCD1}">
+                <a14:hiddenFill xmlns:a14="http://schemas.microsoft.com/office/drawing/2010/main">
+                  <a:noFill/>
+                </a14:hiddenFill>
+              </a:ext>
+            </a:extLst>
+          </p:spPr>
+          <p:txBody>
+            <a:bodyPr wrap="none" anchor="ctr"/>
+            <a:lstStyle/>
+            <a:p>
+              <a:endParaRPr lang="en-US"/>
+            </a:p>
+          </p:txBody>
+        </p:sp>
+        <p:sp>
+          <p:nvSpPr>
+            <p:cNvPr id="195" name="Line 31">
+              <a:extLst>
+                <a:ext uri="{FF2B5EF4-FFF2-40B4-BE49-F238E27FC236}">
+                  <a16:creationId xmlns:a16="http://schemas.microsoft.com/office/drawing/2014/main" id="{C890B8FF-A50A-B24C-9751-247ECF146392}"/>
+                </a:ext>
+              </a:extLst>
+            </p:cNvPr>
+            <p:cNvSpPr>
+              <a:spLocks noChangeShapeType="1"/>
+            </p:cNvSpPr>
+            <p:nvPr/>
+          </p:nvSpPr>
+          <p:spPr bwMode="auto">
+            <a:xfrm>
+              <a:off x="701" y="485"/>
+              <a:ext cx="0" cy="253"/>
+            </a:xfrm>
+            <a:prstGeom prst="line">
+              <a:avLst/>
+            </a:prstGeom>
+            <a:noFill/>
+            <a:ln w="28575">
+              <a:solidFill>
+                <a:schemeClr val="tx1"/>
+              </a:solidFill>
+              <a:round/>
+              <a:headEnd/>
+              <a:tailEnd/>
+            </a:ln>
+            <a:extLst>
+              <a:ext uri="{909E8E84-426E-40DD-AFC4-6F175D3DCCD1}">
+                <a14:hiddenFill xmlns:a14="http://schemas.microsoft.com/office/drawing/2010/main">
+                  <a:noFill/>
+                </a14:hiddenFill>
+              </a:ext>
+            </a:extLst>
+          </p:spPr>
+          <p:txBody>
+            <a:bodyPr wrap="none" anchor="ctr"/>
+            <a:lstStyle/>
+            <a:p>
+              <a:endParaRPr lang="en-US"/>
+            </a:p>
+          </p:txBody>
+        </p:sp>
+        <p:sp>
+          <p:nvSpPr>
+            <p:cNvPr id="196" name="Freeform 32">
+              <a:extLst>
+                <a:ext uri="{FF2B5EF4-FFF2-40B4-BE49-F238E27FC236}">
+                  <a16:creationId xmlns:a16="http://schemas.microsoft.com/office/drawing/2014/main" id="{12098BC3-CFA5-1044-B5F8-61E1B56C8EDB}"/>
+                </a:ext>
+              </a:extLst>
+            </p:cNvPr>
+            <p:cNvSpPr>
+              <a:spLocks/>
+            </p:cNvSpPr>
+            <p:nvPr/>
+          </p:nvSpPr>
+          <p:spPr bwMode="auto">
+            <a:xfrm>
+              <a:off x="528" y="240"/>
+              <a:ext cx="181" cy="332"/>
+            </a:xfrm>
+            <a:custGeom>
+              <a:avLst/>
+              <a:gdLst>
+                <a:gd name="T0" fmla="*/ 1 w 277"/>
+                <a:gd name="T1" fmla="*/ 0 h 517"/>
+                <a:gd name="T2" fmla="*/ 1 w 277"/>
+                <a:gd name="T3" fmla="*/ 0 h 517"/>
+                <a:gd name="T4" fmla="*/ 1 w 277"/>
+                <a:gd name="T5" fmla="*/ 1 h 517"/>
+                <a:gd name="T6" fmla="*/ 1 w 277"/>
+                <a:gd name="T7" fmla="*/ 1 h 517"/>
+                <a:gd name="T8" fmla="*/ 1 w 277"/>
+                <a:gd name="T9" fmla="*/ 1 h 517"/>
+                <a:gd name="T10" fmla="*/ 1 w 277"/>
+                <a:gd name="T11" fmla="*/ 1 h 517"/>
+                <a:gd name="T12" fmla="*/ 1 w 277"/>
+                <a:gd name="T13" fmla="*/ 1 h 517"/>
+                <a:gd name="T14" fmla="*/ 1 w 277"/>
+                <a:gd name="T15" fmla="*/ 1 h 517"/>
+                <a:gd name="T16" fmla="*/ 0 w 277"/>
+                <a:gd name="T17" fmla="*/ 1 h 517"/>
+                <a:gd name="T18" fmla="*/ 0 w 277"/>
+                <a:gd name="T19" fmla="*/ 1 h 517"/>
+                <a:gd name="T20" fmla="*/ 1 w 277"/>
+                <a:gd name="T21" fmla="*/ 1 h 517"/>
+                <a:gd name="T22" fmla="*/ 1 w 277"/>
+                <a:gd name="T23" fmla="*/ 1 h 517"/>
+                <a:gd name="T24" fmla="*/ 1 w 277"/>
+                <a:gd name="T25" fmla="*/ 0 h 517"/>
+                <a:gd name="T26" fmla="*/ 0 60000 65536"/>
+                <a:gd name="T27" fmla="*/ 0 60000 65536"/>
+                <a:gd name="T28" fmla="*/ 0 60000 65536"/>
+                <a:gd name="T29" fmla="*/ 0 60000 65536"/>
+                <a:gd name="T30" fmla="*/ 0 60000 65536"/>
+                <a:gd name="T31" fmla="*/ 0 60000 65536"/>
+                <a:gd name="T32" fmla="*/ 0 60000 65536"/>
+                <a:gd name="T33" fmla="*/ 0 60000 65536"/>
+                <a:gd name="T34" fmla="*/ 0 60000 65536"/>
+                <a:gd name="T35" fmla="*/ 0 60000 65536"/>
+                <a:gd name="T36" fmla="*/ 0 60000 65536"/>
+                <a:gd name="T37" fmla="*/ 0 60000 65536"/>
+                <a:gd name="T38" fmla="*/ 0 60000 65536"/>
+                <a:gd name="T39" fmla="*/ 0 w 277"/>
+                <a:gd name="T40" fmla="*/ 0 h 517"/>
+                <a:gd name="T41" fmla="*/ 277 w 277"/>
+                <a:gd name="T42" fmla="*/ 517 h 517"/>
+              </a:gdLst>
+              <a:ahLst/>
+              <a:cxnLst>
+                <a:cxn ang="T26">
+                  <a:pos x="T0" y="T1"/>
+                </a:cxn>
+                <a:cxn ang="T27">
+                  <a:pos x="T2" y="T3"/>
+                </a:cxn>
+                <a:cxn ang="T28">
+                  <a:pos x="T4" y="T5"/>
+                </a:cxn>
+                <a:cxn ang="T29">
+                  <a:pos x="T6" y="T7"/>
+                </a:cxn>
+                <a:cxn ang="T30">
+                  <a:pos x="T8" y="T9"/>
+                </a:cxn>
+                <a:cxn ang="T31">
+                  <a:pos x="T10" y="T11"/>
+                </a:cxn>
+                <a:cxn ang="T32">
+                  <a:pos x="T12" y="T13"/>
+                </a:cxn>
+                <a:cxn ang="T33">
+                  <a:pos x="T14" y="T15"/>
+                </a:cxn>
+                <a:cxn ang="T34">
+                  <a:pos x="T16" y="T17"/>
+                </a:cxn>
+                <a:cxn ang="T35">
+                  <a:pos x="T18" y="T19"/>
+                </a:cxn>
+                <a:cxn ang="T36">
+                  <a:pos x="T20" y="T21"/>
+                </a:cxn>
+                <a:cxn ang="T37">
+                  <a:pos x="T22" y="T23"/>
+                </a:cxn>
+                <a:cxn ang="T38">
+                  <a:pos x="T24" y="T25"/>
+                </a:cxn>
+              </a:cxnLst>
+              <a:rect l="T39" t="T40" r="T41" b="T42"/>
+              <a:pathLst>
+                <a:path w="277" h="517">
+                  <a:moveTo>
+                    <a:pt x="89" y="0"/>
+                  </a:moveTo>
+                  <a:lnTo>
+                    <a:pt x="191" y="0"/>
+                  </a:lnTo>
+                  <a:lnTo>
+                    <a:pt x="191" y="105"/>
+                  </a:lnTo>
+                  <a:lnTo>
+                    <a:pt x="225" y="105"/>
+                  </a:lnTo>
+                  <a:lnTo>
+                    <a:pt x="276" y="139"/>
+                  </a:lnTo>
+                  <a:lnTo>
+                    <a:pt x="276" y="415"/>
+                  </a:lnTo>
+                  <a:lnTo>
+                    <a:pt x="225" y="516"/>
+                  </a:lnTo>
+                  <a:lnTo>
+                    <a:pt x="51" y="516"/>
+                  </a:lnTo>
+                  <a:lnTo>
+                    <a:pt x="0" y="415"/>
+                  </a:lnTo>
+                  <a:lnTo>
+                    <a:pt x="0" y="139"/>
+                  </a:lnTo>
+                  <a:lnTo>
+                    <a:pt x="51" y="105"/>
+                  </a:lnTo>
+                  <a:lnTo>
+                    <a:pt x="89" y="105"/>
+                  </a:lnTo>
+                  <a:lnTo>
+                    <a:pt x="89" y="0"/>
+                  </a:lnTo>
+                </a:path>
+              </a:pathLst>
+            </a:custGeom>
+            <a:solidFill>
+              <a:srgbClr val="FFCC99"/>
+            </a:solidFill>
+            <a:ln w="12700" cap="rnd">
+              <a:solidFill>
+                <a:schemeClr val="tx1"/>
+              </a:solidFill>
+              <a:round/>
+              <a:headEnd/>
+              <a:tailEnd/>
+            </a:ln>
+          </p:spPr>
+          <p:txBody>
+            <a:bodyPr/>
+            <a:lstStyle/>
+            <a:p>
+              <a:endParaRPr lang="en-US"/>
+            </a:p>
+          </p:txBody>
+        </p:sp>
+      </p:grpSp>
       <p:graphicFrame>
         <p:nvGraphicFramePr>
           <p:cNvPr id="110" name="Group 29"/>
           <p:cNvGraphicFramePr>
             <a:graphicFrameLocks noGrp="1"/>
           </p:cNvGraphicFramePr>
-          <p:nvPr/>
+          <p:nvPr>
+            <p:extLst>
+              <p:ext uri="{D42A27DB-BD31-4B8C-83A1-F6EECF244321}">
+                <p14:modId xmlns:p14="http://schemas.microsoft.com/office/powerpoint/2010/main" val="2225244594"/>
+              </p:ext>
+            </p:extLst>
+          </p:nvPr>
         </p:nvGraphicFramePr>
         <p:xfrm>
           <a:off x="177800" y="165100"/>
@@ -7682,7 +7978,7 @@
                           <a:latin typeface="Arial" charset="0"/>
                           <a:cs typeface="Times New Roman" charset="0"/>
                         </a:rPr>
-                        <a:t>Comstock, 28 rounds, 140 points</a:t>
+                        <a:t>Comstock, 30 rounds, 150 points</a:t>
                       </a:r>
                     </a:p>
                     <a:p>
@@ -7728,7 +8024,7 @@
                           <a:latin typeface="Arial" charset="0"/>
                           <a:cs typeface="Times New Roman" charset="0"/>
                         </a:rPr>
-                        <a:t>	   14 metric</a:t>
+                        <a:t>	   15 metric</a:t>
                       </a:r>
                     </a:p>
                     <a:p>
